--- a/backend/data/exports/sassa_scheda.pptx
+++ b/backend/data/exports/sassa_scheda.pptx
@@ -3203,7 +3203,7 @@
       </p:sp>
       <p:pic>
         <p:nvPicPr>
-          <p:cNvPr id="5" name="Picture 4" descr="tmpedet9sh6.png"/>
+          <p:cNvPr id="5" name="Picture 4" descr="tmph_xyzh6d.png"/>
           <p:cNvPicPr>
             <a:picLocks noChangeAspect="1"/>
           </p:cNvPicPr>
@@ -3217,28 +3217,20 @@
         </p:blipFill>
         <p:spPr>
           <a:xfrm>
-            <a:off x="10572750" y="266700"/>
-            <a:ext cx="1415142" cy="952500"/>
+            <a:off x="10572750" y="271973"/>
+            <a:ext cx="1415142" cy="941953"/>
           </a:xfrm>
           <a:prstGeom prst="rect">
             <a:avLst/>
           </a:prstGeom>
         </p:spPr>
       </p:pic>
-      <p:pic>
-        <p:nvPicPr>
-          <p:cNvPr id="6" name="Picture 5" descr="e66ba4c2-ecd1-491f-b8e7-36b15c1022c0.png"/>
-          <p:cNvPicPr>
-            <a:picLocks noChangeAspect="1"/>
-          </p:cNvPicPr>
+      <p:sp>
+        <p:nvSpPr>
+          <p:cNvPr id="6" name="TextBox 5"/>
+          <p:cNvSpPr txBox="1"/>
           <p:nvPr/>
-        </p:nvPicPr>
-        <p:blipFill>
-          <a:blip r:embed="rId3"/>
-          <a:stretch>
-            <a:fillRect/>
-          </a:stretch>
-        </p:blipFill>
+        </p:nvSpPr>
         <p:spPr>
           <a:xfrm>
             <a:off x="104775" y="1724025"/>
@@ -3247,8 +3239,20 @@
           <a:prstGeom prst="rect">
             <a:avLst/>
           </a:prstGeom>
+          <a:noFill/>
         </p:spPr>
-      </p:pic>
+        <p:txBody>
+          <a:bodyPr wrap="none">
+            <a:spAutoFit/>
+          </a:bodyPr>
+          <a:lstStyle/>
+          <a:p>
+            <a:r>
+              <a:t>[SILHOUETTE]</a:t>
+            </a:r>
+          </a:p>
+        </p:txBody>
+      </p:sp>
     </p:spTree>
   </p:cSld>
   <p:clrMapOvr>

--- a/backend/data/exports/sassa_scheda.pptx
+++ b/backend/data/exports/sassa_scheda.pptx
@@ -7,7 +7,7 @@
   <p:sldIdLst>
     <p:sldId id="256" r:id="rId7"/>
   </p:sldIdLst>
-  <p:sldSz cx="10696575" cy="7562850" type="screen4x3"/>
+  <p:sldSz cx="8557260" cy="6050280" type="screen4x3"/>
   <p:notesSz cx="6858000" cy="9144000"/>
   <p:defaultTextStyle>
     <a:defPPr>
@@ -3203,7 +3203,7 @@
       </p:sp>
       <p:pic>
         <p:nvPicPr>
-          <p:cNvPr id="5" name="Picture 4" descr="tmph_xyzh6d.png"/>
+          <p:cNvPr id="5" name="Picture 4" descr="download_42a5480d36434dd9b8d0a9db11c7caf4.png"/>
           <p:cNvPicPr>
             <a:picLocks noChangeAspect="1"/>
           </p:cNvPicPr>
@@ -3225,34 +3225,30 @@
           </a:prstGeom>
         </p:spPr>
       </p:pic>
-      <p:sp>
-        <p:nvSpPr>
-          <p:cNvPr id="6" name="TextBox 5"/>
-          <p:cNvSpPr txBox="1"/>
+      <p:pic>
+        <p:nvPicPr>
+          <p:cNvPr id="6" name="Picture 5" descr="a1eefaaa-582d-4abc-8582-87d985c5e7ef.png"/>
+          <p:cNvPicPr>
+            <a:picLocks noChangeAspect="1"/>
+          </p:cNvPicPr>
           <p:nvPr/>
-        </p:nvSpPr>
+        </p:nvPicPr>
+        <p:blipFill>
+          <a:blip r:embed="rId3"/>
+          <a:stretch>
+            <a:fillRect/>
+          </a:stretch>
+        </p:blipFill>
         <p:spPr>
           <a:xfrm>
-            <a:off x="104775" y="1724025"/>
-            <a:ext cx="11887200" cy="4966607"/>
+            <a:off x="2323419" y="1724025"/>
+            <a:ext cx="7449910" cy="4966607"/>
           </a:xfrm>
           <a:prstGeom prst="rect">
             <a:avLst/>
           </a:prstGeom>
-          <a:noFill/>
         </p:spPr>
-        <p:txBody>
-          <a:bodyPr wrap="none">
-            <a:spAutoFit/>
-          </a:bodyPr>
-          <a:lstStyle/>
-          <a:p>
-            <a:r>
-              <a:t>[SILHOUETTE]</a:t>
-            </a:r>
-          </a:p>
-        </p:txBody>
-      </p:sp>
+      </p:pic>
     </p:spTree>
   </p:cSld>
   <p:clrMapOvr>
